--- a/Programação de Banco de Dados/layout.pptx
+++ b/Programação de Banco de Dados/layout.pptx
@@ -104,6 +104,11 @@
       </a:defRPr>
     </a:lvl9pPr>
   </p:defaultTextStyle>
+  <p:extLst>
+    <p:ext uri="{EFAFB233-063F-42B5-8137-9DF3F51BA10A}">
+      <p15:sldGuideLst xmlns:p15="http://schemas.microsoft.com/office/powerpoint/2012/main"/>
+    </p:ext>
+  </p:extLst>
 </p:presentation>
 </file>
 
@@ -3431,7 +3436,9 @@
             </a:avLst>
           </a:prstGeom>
           <a:solidFill>
-            <a:srgbClr val="002060"/>
+            <a:srgbClr val="002060">
+              <a:alpha val="78000"/>
+            </a:srgbClr>
           </a:solidFill>
           <a:ln>
             <a:noFill/>
@@ -3506,6 +3513,7 @@
                 <a:alpha val="40000"/>
               </a:prstClr>
             </a:outerShdw>
+            <a:softEdge rad="25400"/>
           </a:effectLst>
         </p:spPr>
         <p:style>
@@ -3575,6 +3583,7 @@
                 <a:alpha val="40000"/>
               </a:prstClr>
             </a:outerShdw>
+            <a:softEdge rad="25400"/>
           </a:effectLst>
         </p:spPr>
         <p:style>
@@ -3644,6 +3653,7 @@
                 <a:alpha val="40000"/>
               </a:prstClr>
             </a:outerShdw>
+            <a:softEdge rad="25400"/>
           </a:effectLst>
         </p:spPr>
         <p:style>
@@ -3713,6 +3723,7 @@
                 <a:alpha val="40000"/>
               </a:prstClr>
             </a:outerShdw>
+            <a:softEdge rad="25400"/>
           </a:effectLst>
         </p:spPr>
         <p:style>
@@ -3782,6 +3793,7 @@
                 <a:alpha val="40000"/>
               </a:prstClr>
             </a:outerShdw>
+            <a:softEdge rad="25400"/>
           </a:effectLst>
         </p:spPr>
         <p:style>
@@ -3851,6 +3863,7 @@
                 <a:alpha val="40000"/>
               </a:prstClr>
             </a:outerShdw>
+            <a:softEdge rad="25400"/>
           </a:effectLst>
         </p:spPr>
         <p:style>
